--- a/JavaScript/01_Objekti/JavaScript_01_Objekti.pptx
+++ b/JavaScript/01_Objekti/JavaScript_01_Objekti.pptx
@@ -326,7 +326,7 @@
             <a:fld id="{1D8BD707-D9CF-40AE-B4C6-C98DA3205C09}" type="datetimeFigureOut">
               <a:rPr lang="en-US" smtClean="0"/>
               <a:pPr/>
-              <a:t>10/10/2016</a:t>
+              <a:t>10/13/2016</a:t>
             </a:fld>
             <a:endParaRPr lang="en-US"/>
           </a:p>
@@ -493,7 +493,7 @@
             <a:fld id="{1D8BD707-D9CF-40AE-B4C6-C98DA3205C09}" type="datetimeFigureOut">
               <a:rPr lang="en-US" smtClean="0"/>
               <a:pPr/>
-              <a:t>10/10/2016</a:t>
+              <a:t>10/13/2016</a:t>
             </a:fld>
             <a:endParaRPr lang="en-US"/>
           </a:p>
@@ -670,7 +670,7 @@
             <a:fld id="{1D8BD707-D9CF-40AE-B4C6-C98DA3205C09}" type="datetimeFigureOut">
               <a:rPr lang="en-US" smtClean="0"/>
               <a:pPr/>
-              <a:t>10/10/2016</a:t>
+              <a:t>10/13/2016</a:t>
             </a:fld>
             <a:endParaRPr lang="en-US"/>
           </a:p>
@@ -837,7 +837,7 @@
             <a:fld id="{1D8BD707-D9CF-40AE-B4C6-C98DA3205C09}" type="datetimeFigureOut">
               <a:rPr lang="en-US" smtClean="0"/>
               <a:pPr/>
-              <a:t>10/10/2016</a:t>
+              <a:t>10/13/2016</a:t>
             </a:fld>
             <a:endParaRPr lang="en-US"/>
           </a:p>
@@ -1080,7 +1080,7 @@
             <a:fld id="{1D8BD707-D9CF-40AE-B4C6-C98DA3205C09}" type="datetimeFigureOut">
               <a:rPr lang="en-US" smtClean="0"/>
               <a:pPr/>
-              <a:t>10/10/2016</a:t>
+              <a:t>10/13/2016</a:t>
             </a:fld>
             <a:endParaRPr lang="en-US"/>
           </a:p>
@@ -1365,7 +1365,7 @@
             <a:fld id="{1D8BD707-D9CF-40AE-B4C6-C98DA3205C09}" type="datetimeFigureOut">
               <a:rPr lang="en-US" smtClean="0"/>
               <a:pPr/>
-              <a:t>10/10/2016</a:t>
+              <a:t>10/13/2016</a:t>
             </a:fld>
             <a:endParaRPr lang="en-US"/>
           </a:p>
@@ -1784,7 +1784,7 @@
             <a:fld id="{1D8BD707-D9CF-40AE-B4C6-C98DA3205C09}" type="datetimeFigureOut">
               <a:rPr lang="en-US" smtClean="0"/>
               <a:pPr/>
-              <a:t>10/10/2016</a:t>
+              <a:t>10/13/2016</a:t>
             </a:fld>
             <a:endParaRPr lang="en-US"/>
           </a:p>
@@ -1899,7 +1899,7 @@
             <a:fld id="{1D8BD707-D9CF-40AE-B4C6-C98DA3205C09}" type="datetimeFigureOut">
               <a:rPr lang="en-US" smtClean="0"/>
               <a:pPr/>
-              <a:t>10/10/2016</a:t>
+              <a:t>10/13/2016</a:t>
             </a:fld>
             <a:endParaRPr lang="en-US"/>
           </a:p>
@@ -1991,7 +1991,7 @@
             <a:fld id="{1D8BD707-D9CF-40AE-B4C6-C98DA3205C09}" type="datetimeFigureOut">
               <a:rPr lang="en-US" smtClean="0"/>
               <a:pPr/>
-              <a:t>10/10/2016</a:t>
+              <a:t>10/13/2016</a:t>
             </a:fld>
             <a:endParaRPr lang="en-US"/>
           </a:p>
@@ -2265,7 +2265,7 @@
             <a:fld id="{1D8BD707-D9CF-40AE-B4C6-C98DA3205C09}" type="datetimeFigureOut">
               <a:rPr lang="en-US" smtClean="0"/>
               <a:pPr/>
-              <a:t>10/10/2016</a:t>
+              <a:t>10/13/2016</a:t>
             </a:fld>
             <a:endParaRPr lang="en-US"/>
           </a:p>
@@ -2515,7 +2515,7 @@
             <a:fld id="{1D8BD707-D9CF-40AE-B4C6-C98DA3205C09}" type="datetimeFigureOut">
               <a:rPr lang="en-US" smtClean="0"/>
               <a:pPr/>
-              <a:t>10/10/2016</a:t>
+              <a:t>10/13/2016</a:t>
             </a:fld>
             <a:endParaRPr lang="en-US"/>
           </a:p>
@@ -2725,7 +2725,7 @@
             <a:fld id="{1D8BD707-D9CF-40AE-B4C6-C98DA3205C09}" type="datetimeFigureOut">
               <a:rPr lang="en-US" smtClean="0"/>
               <a:pPr/>
-              <a:t>10/10/2016</a:t>
+              <a:t>10/13/2016</a:t>
             </a:fld>
             <a:endParaRPr lang="en-US"/>
           </a:p>
@@ -3287,7 +3287,12 @@
             <p:ph type="title"/>
           </p:nvPr>
         </p:nvSpPr>
-        <p:spPr/>
+        <p:spPr>
+          <a:xfrm>
+            <a:off x="457200" y="228600"/>
+            <a:ext cx="8229600" cy="1143000"/>
+          </a:xfrm>
+        </p:spPr>
         <p:txBody>
           <a:bodyPr/>
           <a:lstStyle/>
@@ -3667,13 +3672,7 @@
               <a:rPr lang="sr-Latn-RS" dirty="0" smtClean="0">
                 <a:cs typeface="Courier New" panose="02070309020205020404" pitchFamily="49" charset="0"/>
               </a:rPr>
-              <a:t>Ukoliko to pokušamo pokušamo, </a:t>
-            </a:r>
-            <a:r>
-              <a:rPr lang="sr-Latn-RS" dirty="0" smtClean="0">
-                <a:cs typeface="Courier New" panose="02070309020205020404" pitchFamily="49" charset="0"/>
-              </a:rPr>
-              <a:t>izaziva se TypeError izuzetak</a:t>
+              <a:t>Ukoliko to pokušamo pokušamo, izaziva se TypeError izuzetak</a:t>
             </a:r>
             <a:endParaRPr lang="en-GB" dirty="0">
               <a:cs typeface="Courier New" panose="02070309020205020404" pitchFamily="49" charset="0"/>
@@ -5662,13 +5661,8 @@
           <a:p>
             <a:r>
               <a:rPr lang="sr-Latn-RS" dirty="0" smtClean="0"/>
-              <a:t>JavaScript nema ugrađen mehanizam zadavanja </a:t>
-            </a:r>
-            <a:r>
-              <a:rPr lang="sr-Latn-RS" dirty="0" smtClean="0"/>
-              <a:t>klasa (više o tome kasnije)</a:t>
-            </a:r>
-            <a:endParaRPr lang="sr-Latn-RS" dirty="0" smtClean="0"/>
+              <a:t>JavaScript nema ugrađen mehanizam zadavanja klasa (više o tome kasnije)</a:t>
+            </a:r>
           </a:p>
           <a:p>
             <a:r>
@@ -5696,13 +5690,8 @@
             </a:r>
             <a:r>
               <a:rPr lang="sr-Latn-RS" dirty="0" smtClean="0"/>
-              <a:t>, objekat koji je definisan u </a:t>
-            </a:r>
-            <a:r>
-              <a:rPr lang="sr-Latn-RS" dirty="0" smtClean="0"/>
-              <a:t>JavaScriptu</a:t>
-            </a:r>
-            <a:endParaRPr lang="sr-Latn-RS" dirty="0" smtClean="0"/>
+              <a:t>, objekat koji je definisan u JavaScriptu</a:t>
+            </a:r>
           </a:p>
           <a:p>
             <a:endParaRPr lang="sr-Latn-RS" dirty="0" smtClean="0"/>
@@ -7307,10 +7296,6 @@
               </a:rPr>
               <a:t>" in o; </a:t>
             </a:r>
-            <a:endParaRPr lang="en-GB" dirty="0">
-              <a:latin typeface="Courier New" panose="02070309020205020404" pitchFamily="49" charset="0"/>
-              <a:cs typeface="Courier New" panose="02070309020205020404" pitchFamily="49" charset="0"/>
-            </a:endParaRPr>
           </a:p>
         </p:txBody>
       </p:sp>
@@ -7506,10 +7491,6 @@
               </a:rPr>
               <a:t>");</a:t>
             </a:r>
-            <a:endParaRPr lang="en-GB" dirty="0">
-              <a:latin typeface="Courier New" panose="02070309020205020404" pitchFamily="49" charset="0"/>
-              <a:cs typeface="Courier New" panose="02070309020205020404" pitchFamily="49" charset="0"/>
-            </a:endParaRPr>
           </a:p>
         </p:txBody>
       </p:sp>
@@ -7798,11 +7779,7 @@
           <a:p>
             <a:r>
               <a:rPr lang="sr-Latn-RS" dirty="0" smtClean="0"/>
-              <a:t>Vrednosti svojstava: bilo </a:t>
-            </a:r>
-            <a:r>
-              <a:rPr lang="sr-Latn-RS" dirty="0" smtClean="0"/>
-              <a:t>šta</a:t>
+              <a:t>Vrednosti svojstava: bilo šta</a:t>
             </a:r>
           </a:p>
           <a:p>
@@ -8453,11 +8430,7 @@
           <a:p>
             <a:r>
               <a:rPr lang="sr-Latn-RS" dirty="0" smtClean="0"/>
-              <a:t>Brisanje </a:t>
-            </a:r>
-            <a:r>
-              <a:rPr lang="sr-Latn-RS" dirty="0" smtClean="0"/>
-              <a:t>svojstva prototipa</a:t>
+              <a:t>Brisanje svojstva prototipa</a:t>
             </a:r>
             <a:endParaRPr lang="en-GB" dirty="0"/>
           </a:p>
@@ -8588,11 +8561,7 @@
           <a:p>
             <a:r>
               <a:rPr lang="sr-Latn-RS" dirty="0" smtClean="0"/>
-              <a:t>Brisanje </a:t>
-            </a:r>
-            <a:r>
-              <a:rPr lang="sr-Latn-RS" dirty="0" smtClean="0"/>
-              <a:t>svojstva prototipa</a:t>
+              <a:t>Brisanje svojstva prototipa</a:t>
             </a:r>
             <a:endParaRPr lang="en-GB" dirty="0"/>
           </a:p>
@@ -9669,10 +9638,6 @@
               </a:rPr>
               <a:t>: true});</a:t>
             </a:r>
-            <a:endParaRPr lang="en-GB" dirty="0">
-              <a:latin typeface="Courier New" panose="02070309020205020404" pitchFamily="49" charset="0"/>
-              <a:cs typeface="Courier New" panose="02070309020205020404" pitchFamily="49" charset="0"/>
-            </a:endParaRPr>
           </a:p>
         </p:txBody>
       </p:sp>
@@ -9800,10 +9765,6 @@
               </a:rPr>
               <a:t>writable: false });</a:t>
             </a:r>
-            <a:endParaRPr lang="en-GB" dirty="0">
-              <a:latin typeface="Courier New" panose="02070309020205020404" pitchFamily="49" charset="0"/>
-              <a:cs typeface="Courier New" panose="02070309020205020404" pitchFamily="49" charset="0"/>
-            </a:endParaRPr>
           </a:p>
         </p:txBody>
       </p:sp>
@@ -10933,7 +10894,6 @@
               <a:rPr lang="sr-Latn-RS" dirty="0"/>
               <a:t>Pored ugrađenih konstruktora, moguće je i kreirati svoje konstruktorske funkcije (više o tome kasnije)</a:t>
             </a:r>
-            <a:endParaRPr lang="sr-Latn-RS" dirty="0"/>
           </a:p>
           <a:p>
             <a:endParaRPr lang="en-GB" dirty="0"/>
